--- a/以太坊教程/课件/2_1_初识以太坊.pptx
+++ b/以太坊教程/课件/2_1_初识以太坊.pptx
@@ -210,7 +210,7 @@
           <a:p>
             <a:fld id="{31A2A103-01E9-406E-AEF1-210DF53BAA37}" type="datetimeFigureOut">
               <a:rPr lang="zh-CN" altLang="en-US" smtClean="0"/>
-              <a:t>2018/10/21</a:t>
+              <a:t>2018/11/28</a:t>
             </a:fld>
             <a:endParaRPr lang="zh-CN" altLang="en-US"/>
           </a:p>
@@ -2365,7 +2365,7 @@
           <a:p>
             <a:fld id="{530820CF-B880-4189-942D-D702A7CBA730}" type="datetimeFigureOut">
               <a:rPr lang="zh-CN" altLang="en-US" smtClean="0"/>
-              <a:t>2018/10/21</a:t>
+              <a:t>2018/11/28</a:t>
             </a:fld>
             <a:endParaRPr lang="zh-CN" altLang="en-US"/>
           </a:p>
@@ -2530,7 +2530,7 @@
           <a:p>
             <a:fld id="{530820CF-B880-4189-942D-D702A7CBA730}" type="datetimeFigureOut">
               <a:rPr lang="zh-CN" altLang="en-US" smtClean="0"/>
-              <a:t>2018/10/21</a:t>
+              <a:t>2018/11/28</a:t>
             </a:fld>
             <a:endParaRPr lang="zh-CN" altLang="en-US"/>
           </a:p>
@@ -2705,7 +2705,7 @@
           <a:p>
             <a:fld id="{530820CF-B880-4189-942D-D702A7CBA730}" type="datetimeFigureOut">
               <a:rPr lang="zh-CN" altLang="en-US" smtClean="0"/>
-              <a:t>2018/10/21</a:t>
+              <a:t>2018/11/28</a:t>
             </a:fld>
             <a:endParaRPr lang="zh-CN" altLang="en-US"/>
           </a:p>
@@ -2870,7 +2870,7 @@
           <a:p>
             <a:fld id="{530820CF-B880-4189-942D-D702A7CBA730}" type="datetimeFigureOut">
               <a:rPr lang="zh-CN" altLang="en-US" smtClean="0"/>
-              <a:t>2018/10/21</a:t>
+              <a:t>2018/11/28</a:t>
             </a:fld>
             <a:endParaRPr lang="zh-CN" altLang="en-US"/>
           </a:p>
@@ -3111,7 +3111,7 @@
           <a:p>
             <a:fld id="{530820CF-B880-4189-942D-D702A7CBA730}" type="datetimeFigureOut">
               <a:rPr lang="zh-CN" altLang="en-US" smtClean="0"/>
-              <a:t>2018/10/21</a:t>
+              <a:t>2018/11/28</a:t>
             </a:fld>
             <a:endParaRPr lang="zh-CN" altLang="en-US"/>
           </a:p>
@@ -3394,7 +3394,7 @@
           <a:p>
             <a:fld id="{530820CF-B880-4189-942D-D702A7CBA730}" type="datetimeFigureOut">
               <a:rPr lang="zh-CN" altLang="en-US" smtClean="0"/>
-              <a:t>2018/10/21</a:t>
+              <a:t>2018/11/28</a:t>
             </a:fld>
             <a:endParaRPr lang="zh-CN" altLang="en-US"/>
           </a:p>
@@ -3811,7 +3811,7 @@
           <a:p>
             <a:fld id="{530820CF-B880-4189-942D-D702A7CBA730}" type="datetimeFigureOut">
               <a:rPr lang="zh-CN" altLang="en-US" smtClean="0"/>
-              <a:t>2018/10/21</a:t>
+              <a:t>2018/11/28</a:t>
             </a:fld>
             <a:endParaRPr lang="zh-CN" altLang="en-US"/>
           </a:p>
@@ -3924,7 +3924,7 @@
           <a:p>
             <a:fld id="{530820CF-B880-4189-942D-D702A7CBA730}" type="datetimeFigureOut">
               <a:rPr lang="zh-CN" altLang="en-US" smtClean="0"/>
-              <a:t>2018/10/21</a:t>
+              <a:t>2018/11/28</a:t>
             </a:fld>
             <a:endParaRPr lang="zh-CN" altLang="en-US"/>
           </a:p>
@@ -4014,7 +4014,7 @@
           <a:p>
             <a:fld id="{530820CF-B880-4189-942D-D702A7CBA730}" type="datetimeFigureOut">
               <a:rPr lang="zh-CN" altLang="en-US" smtClean="0"/>
-              <a:t>2018/10/21</a:t>
+              <a:t>2018/11/28</a:t>
             </a:fld>
             <a:endParaRPr lang="zh-CN" altLang="en-US"/>
           </a:p>
@@ -4286,7 +4286,7 @@
           <a:p>
             <a:fld id="{530820CF-B880-4189-942D-D702A7CBA730}" type="datetimeFigureOut">
               <a:rPr lang="zh-CN" altLang="en-US" smtClean="0"/>
-              <a:t>2018/10/21</a:t>
+              <a:t>2018/11/28</a:t>
             </a:fld>
             <a:endParaRPr lang="zh-CN" altLang="en-US"/>
           </a:p>
@@ -4534,7 +4534,7 @@
           <a:p>
             <a:fld id="{530820CF-B880-4189-942D-D702A7CBA730}" type="datetimeFigureOut">
               <a:rPr lang="zh-CN" altLang="en-US" smtClean="0"/>
-              <a:t>2018/10/21</a:t>
+              <a:t>2018/11/28</a:t>
             </a:fld>
             <a:endParaRPr lang="zh-CN" altLang="en-US"/>
           </a:p>
@@ -4594,9 +4594,18 @@
 <p:sldMaster xmlns:a="http://schemas.openxmlformats.org/drawingml/2006/main" xmlns:r="http://schemas.openxmlformats.org/officeDocument/2006/relationships" xmlns:p="http://schemas.openxmlformats.org/presentationml/2006/main">
   <p:cSld>
     <p:bg>
-      <p:bgRef idx="1001">
-        <a:schemeClr val="bg1"/>
-      </p:bgRef>
+      <p:bgPr>
+        <a:blipFill dpi="0" rotWithShape="1">
+          <a:blip r:embed="rId13">
+            <a:lum/>
+          </a:blip>
+          <a:srcRect/>
+          <a:stretch>
+            <a:fillRect/>
+          </a:stretch>
+        </a:blipFill>
+        <a:effectLst/>
+      </p:bgPr>
     </p:bg>
     <p:spTree>
       <p:nvGrpSpPr>
@@ -4742,7 +4751,7 @@
           <a:p>
             <a:fld id="{530820CF-B880-4189-942D-D702A7CBA730}" type="datetimeFigureOut">
               <a:rPr lang="zh-CN" altLang="en-US" smtClean="0"/>
-              <a:t>2018/10/21</a:t>
+              <a:t>2018/11/28</a:t>
             </a:fld>
             <a:endParaRPr lang="zh-CN" altLang="en-US"/>
           </a:p>
@@ -5269,7 +5278,12 @@
             <p:ph type="title"/>
           </p:nvPr>
         </p:nvSpPr>
-        <p:spPr/>
+        <p:spPr>
+          <a:xfrm>
+            <a:off x="457200" y="413792"/>
+            <a:ext cx="8229600" cy="1143000"/>
+          </a:xfrm>
+        </p:spPr>
         <p:txBody>
           <a:bodyPr>
             <a:normAutofit/>
@@ -5278,13 +5292,13 @@
           <a:p>
             <a:pPr indent="457200" algn="l"/>
             <a:r>
-              <a:rPr lang="zh-CN" altLang="en-US" dirty="0" smtClean="0">
+              <a:rPr lang="zh-CN" altLang="en-US" sz="3600" dirty="0" smtClean="0">
                 <a:latin typeface="微软雅黑 Light" pitchFamily="34" charset="-122"/>
                 <a:ea typeface="微软雅黑 Light" pitchFamily="34" charset="-122"/>
               </a:rPr>
               <a:t>显示账户信息</a:t>
             </a:r>
-            <a:endParaRPr lang="zh-CN" altLang="en-US" dirty="0">
+            <a:endParaRPr lang="zh-CN" altLang="en-US" sz="3600" dirty="0">
               <a:latin typeface="微软雅黑 Light" pitchFamily="34" charset="-122"/>
               <a:ea typeface="微软雅黑 Light" pitchFamily="34" charset="-122"/>
             </a:endParaRPr>
@@ -5512,20 +5526,27 @@
             <p:ph type="title"/>
           </p:nvPr>
         </p:nvSpPr>
-        <p:spPr/>
-        <p:txBody>
-          <a:bodyPr/>
+        <p:spPr>
+          <a:xfrm>
+            <a:off x="446856" y="413792"/>
+            <a:ext cx="8229600" cy="1143000"/>
+          </a:xfrm>
+        </p:spPr>
+        <p:txBody>
+          <a:bodyPr>
+            <a:normAutofit/>
+          </a:bodyPr>
           <a:lstStyle/>
           <a:p>
             <a:pPr indent="457200" algn="l"/>
             <a:r>
-              <a:rPr lang="zh-CN" altLang="en-US" dirty="0" smtClean="0">
+              <a:rPr lang="zh-CN" altLang="en-US" sz="3600" dirty="0" smtClean="0">
                 <a:latin typeface="微软雅黑 Light" pitchFamily="34" charset="-122"/>
                 <a:ea typeface="微软雅黑 Light" pitchFamily="34" charset="-122"/>
               </a:rPr>
               <a:t>助记词</a:t>
             </a:r>
-            <a:endParaRPr lang="zh-CN" altLang="en-US" dirty="0">
+            <a:endParaRPr lang="zh-CN" altLang="en-US" sz="3600" dirty="0">
               <a:latin typeface="微软雅黑 Light" pitchFamily="34" charset="-122"/>
               <a:ea typeface="微软雅黑 Light" pitchFamily="34" charset="-122"/>
             </a:endParaRPr>
@@ -5700,23 +5721,25 @@
         </p:nvSpPr>
         <p:spPr>
           <a:xfrm>
-            <a:off x="457200" y="-27384"/>
+            <a:off x="457200" y="269776"/>
             <a:ext cx="8229600" cy="1143000"/>
           </a:xfrm>
         </p:spPr>
         <p:txBody>
-          <a:bodyPr/>
+          <a:bodyPr>
+            <a:normAutofit/>
+          </a:bodyPr>
           <a:lstStyle/>
           <a:p>
             <a:pPr indent="457200" algn="l"/>
             <a:r>
-              <a:rPr lang="zh-CN" altLang="en-US" dirty="0" smtClean="0">
+              <a:rPr lang="zh-CN" altLang="en-US" sz="2800" smtClean="0">
                 <a:latin typeface="微软雅黑 Light" pitchFamily="34" charset="-122"/>
                 <a:ea typeface="微软雅黑 Light" pitchFamily="34" charset="-122"/>
               </a:rPr>
               <a:t>切换网络</a:t>
             </a:r>
-            <a:endParaRPr lang="zh-CN" altLang="en-US" dirty="0">
+            <a:endParaRPr lang="zh-CN" altLang="en-US" sz="2800" dirty="0">
               <a:latin typeface="微软雅黑 Light" pitchFamily="34" charset="-122"/>
               <a:ea typeface="微软雅黑 Light" pitchFamily="34" charset="-122"/>
             </a:endParaRPr>
@@ -6262,7 +6285,7 @@
         </p:nvSpPr>
         <p:spPr>
           <a:xfrm>
-            <a:off x="446856" y="274638"/>
+            <a:off x="446856" y="485800"/>
             <a:ext cx="8229600" cy="1143000"/>
           </a:xfrm>
         </p:spPr>
@@ -6274,13 +6297,13 @@
           <a:p>
             <a:pPr indent="457200" algn="l"/>
             <a:r>
-              <a:rPr lang="zh-CN" altLang="en-US" dirty="0" smtClean="0">
+              <a:rPr lang="zh-CN" altLang="en-US" sz="3600" dirty="0" smtClean="0">
                 <a:latin typeface="微软雅黑 Light" pitchFamily="34" charset="-122"/>
                 <a:ea typeface="微软雅黑 Light" pitchFamily="34" charset="-122"/>
               </a:rPr>
               <a:t>获取测试以太</a:t>
             </a:r>
-            <a:endParaRPr lang="zh-CN" altLang="en-US" dirty="0">
+            <a:endParaRPr lang="zh-CN" altLang="en-US" sz="3600" dirty="0">
               <a:latin typeface="微软雅黑 Light" pitchFamily="34" charset="-122"/>
               <a:ea typeface="微软雅黑 Light" pitchFamily="34" charset="-122"/>
             </a:endParaRPr>
@@ -6529,7 +6552,7 @@
         </p:nvSpPr>
         <p:spPr>
           <a:xfrm>
-            <a:off x="446856" y="274638"/>
+            <a:off x="446856" y="413792"/>
             <a:ext cx="8229600" cy="1143000"/>
           </a:xfrm>
         </p:spPr>
@@ -6541,13 +6564,13 @@
           <a:p>
             <a:pPr indent="457200" algn="l"/>
             <a:r>
-              <a:rPr lang="zh-CN" altLang="en-US" dirty="0" smtClean="0">
+              <a:rPr lang="zh-CN" altLang="en-US" sz="3600" dirty="0" smtClean="0">
                 <a:latin typeface="微软雅黑 Light" pitchFamily="34" charset="-122"/>
                 <a:ea typeface="微软雅黑 Light" pitchFamily="34" charset="-122"/>
               </a:rPr>
               <a:t>获取测试以太</a:t>
             </a:r>
-            <a:endParaRPr lang="zh-CN" altLang="en-US" dirty="0">
+            <a:endParaRPr lang="zh-CN" altLang="en-US" sz="3600" dirty="0">
               <a:latin typeface="微软雅黑 Light" pitchFamily="34" charset="-122"/>
               <a:ea typeface="微软雅黑 Light" pitchFamily="34" charset="-122"/>
             </a:endParaRPr>
@@ -7002,7 +7025,7 @@
         </p:blipFill>
         <p:spPr bwMode="auto">
           <a:xfrm>
-            <a:off x="2267744" y="5877272"/>
+            <a:off x="1115616" y="5877272"/>
             <a:ext cx="4032448" cy="684960"/>
           </a:xfrm>
           <a:prstGeom prst="rect">
@@ -7092,7 +7115,7 @@
         </p:nvSpPr>
         <p:spPr>
           <a:xfrm>
-            <a:off x="446856" y="274638"/>
+            <a:off x="446856" y="413792"/>
             <a:ext cx="8229600" cy="1143000"/>
           </a:xfrm>
         </p:spPr>
@@ -7104,13 +7127,13 @@
           <a:p>
             <a:pPr indent="457200" algn="l"/>
             <a:r>
-              <a:rPr lang="zh-CN" altLang="en-US" dirty="0" smtClean="0">
+              <a:rPr lang="zh-CN" altLang="en-US" sz="3600" dirty="0" smtClean="0">
                 <a:latin typeface="微软雅黑 Light" pitchFamily="34" charset="-122"/>
                 <a:ea typeface="微软雅黑 Light" pitchFamily="34" charset="-122"/>
               </a:rPr>
               <a:t>在区块浏览器中查看</a:t>
             </a:r>
-            <a:endParaRPr lang="zh-CN" altLang="en-US" dirty="0">
+            <a:endParaRPr lang="zh-CN" altLang="en-US" sz="3600" dirty="0">
               <a:latin typeface="微软雅黑 Light" pitchFamily="34" charset="-122"/>
               <a:ea typeface="微软雅黑 Light" pitchFamily="34" charset="-122"/>
             </a:endParaRPr>
@@ -7322,7 +7345,7 @@
         </p:nvSpPr>
         <p:spPr>
           <a:xfrm>
-            <a:off x="446856" y="274638"/>
+            <a:off x="446856" y="413792"/>
             <a:ext cx="8229600" cy="1143000"/>
           </a:xfrm>
         </p:spPr>
@@ -7334,34 +7357,34 @@
           <a:p>
             <a:pPr indent="457200" algn="l"/>
             <a:r>
-              <a:rPr lang="zh-CN" altLang="en-US" dirty="0" smtClean="0">
+              <a:rPr lang="zh-CN" altLang="en-US" sz="3600" dirty="0" smtClean="0">
                 <a:latin typeface="微软雅黑 Light" pitchFamily="34" charset="-122"/>
                 <a:ea typeface="微软雅黑 Light" pitchFamily="34" charset="-122"/>
               </a:rPr>
               <a:t>从</a:t>
             </a:r>
             <a:r>
-              <a:rPr lang="en-US" altLang="zh-CN" dirty="0" smtClean="0">
+              <a:rPr lang="en-US" altLang="zh-CN" sz="3600" dirty="0" smtClean="0">
                 <a:latin typeface="微软雅黑 Light" pitchFamily="34" charset="-122"/>
                 <a:ea typeface="微软雅黑 Light" pitchFamily="34" charset="-122"/>
               </a:rPr>
               <a:t>MetaMask</a:t>
             </a:r>
             <a:r>
-              <a:rPr lang="zh-CN" altLang="en-US" dirty="0" smtClean="0">
+              <a:rPr lang="zh-CN" altLang="en-US" sz="3600" dirty="0" smtClean="0">
                 <a:latin typeface="微软雅黑 Light" pitchFamily="34" charset="-122"/>
                 <a:ea typeface="微软雅黑 Light" pitchFamily="34" charset="-122"/>
               </a:rPr>
               <a:t>发送</a:t>
             </a:r>
             <a:r>
-              <a:rPr lang="en-US" altLang="zh-CN" dirty="0" smtClean="0">
+              <a:rPr lang="en-US" altLang="zh-CN" sz="3600" dirty="0" smtClean="0">
                 <a:latin typeface="微软雅黑 Light" pitchFamily="34" charset="-122"/>
                 <a:ea typeface="微软雅黑 Light" pitchFamily="34" charset="-122"/>
               </a:rPr>
               <a:t>Ether</a:t>
             </a:r>
-            <a:endParaRPr lang="zh-CN" altLang="en-US" dirty="0">
+            <a:endParaRPr lang="zh-CN" altLang="en-US" sz="3600" dirty="0">
               <a:latin typeface="微软雅黑 Light" pitchFamily="34" charset="-122"/>
               <a:ea typeface="微软雅黑 Light" pitchFamily="34" charset="-122"/>
             </a:endParaRPr>
@@ -7625,7 +7648,7 @@
         </p:nvSpPr>
         <p:spPr>
           <a:xfrm>
-            <a:off x="446856" y="274638"/>
+            <a:off x="446856" y="413792"/>
             <a:ext cx="8229600" cy="1143000"/>
           </a:xfrm>
         </p:spPr>
@@ -7637,20 +7660,20 @@
           <a:p>
             <a:pPr indent="457200" algn="l"/>
             <a:r>
-              <a:rPr lang="en-US" altLang="zh-CN" dirty="0" smtClean="0">
+              <a:rPr lang="en-US" altLang="zh-CN" sz="3600" dirty="0" smtClean="0">
                 <a:latin typeface="微软雅黑 Light" pitchFamily="34" charset="-122"/>
                 <a:ea typeface="微软雅黑 Light" pitchFamily="34" charset="-122"/>
               </a:rPr>
               <a:t>Gas</a:t>
             </a:r>
             <a:r>
-              <a:rPr lang="zh-CN" altLang="en-US" dirty="0" smtClean="0">
+              <a:rPr lang="zh-CN" altLang="en-US" sz="3600" dirty="0" smtClean="0">
                 <a:latin typeface="微软雅黑 Light" pitchFamily="34" charset="-122"/>
                 <a:ea typeface="微软雅黑 Light" pitchFamily="34" charset="-122"/>
               </a:rPr>
               <a:t>编辑选项</a:t>
             </a:r>
-            <a:endParaRPr lang="zh-CN" altLang="en-US" dirty="0">
+            <a:endParaRPr lang="zh-CN" altLang="en-US" sz="3600" dirty="0">
               <a:latin typeface="微软雅黑 Light" pitchFamily="34" charset="-122"/>
               <a:ea typeface="微软雅黑 Light" pitchFamily="34" charset="-122"/>
             </a:endParaRPr>
@@ -8084,7 +8107,7 @@
         </p:nvSpPr>
         <p:spPr>
           <a:xfrm>
-            <a:off x="446856" y="274638"/>
+            <a:off x="446856" y="476672"/>
             <a:ext cx="8229600" cy="1143000"/>
           </a:xfrm>
         </p:spPr>
@@ -8096,13 +8119,13 @@
           <a:p>
             <a:pPr indent="457200" algn="l"/>
             <a:r>
-              <a:rPr lang="zh-CN" altLang="en-US" dirty="0" smtClean="0">
+              <a:rPr lang="zh-CN" altLang="en-US" sz="3600" dirty="0" smtClean="0">
                 <a:latin typeface="微软雅黑 Light" pitchFamily="34" charset="-122"/>
                 <a:ea typeface="微软雅黑 Light" pitchFamily="34" charset="-122"/>
               </a:rPr>
               <a:t>搜索地址的交易记录</a:t>
             </a:r>
-            <a:endParaRPr lang="zh-CN" altLang="en-US" dirty="0">
+            <a:endParaRPr lang="zh-CN" altLang="en-US" sz="3600" dirty="0">
               <a:latin typeface="微软雅黑 Light" pitchFamily="34" charset="-122"/>
               <a:ea typeface="微软雅黑 Light" pitchFamily="34" charset="-122"/>
             </a:endParaRPr>
@@ -8441,20 +8464,27 @@
             <p:ph type="title"/>
           </p:nvPr>
         </p:nvSpPr>
-        <p:spPr/>
-        <p:txBody>
-          <a:bodyPr/>
+        <p:spPr>
+          <a:xfrm>
+            <a:off x="457200" y="485800"/>
+            <a:ext cx="8229600" cy="1143000"/>
+          </a:xfrm>
+        </p:spPr>
+        <p:txBody>
+          <a:bodyPr>
+            <a:normAutofit/>
+          </a:bodyPr>
           <a:lstStyle/>
           <a:p>
             <a:pPr indent="457200" algn="l"/>
             <a:r>
-              <a:rPr lang="zh-CN" altLang="en-US" dirty="0" smtClean="0">
+              <a:rPr lang="zh-CN" altLang="en-US" sz="3600" dirty="0" smtClean="0">
                 <a:latin typeface="微软雅黑 Light" pitchFamily="34" charset="-122"/>
                 <a:ea typeface="微软雅黑 Light" pitchFamily="34" charset="-122"/>
               </a:rPr>
               <a:t>以太币单位</a:t>
             </a:r>
-            <a:endParaRPr lang="zh-CN" altLang="en-US" dirty="0">
+            <a:endParaRPr lang="zh-CN" altLang="en-US" sz="3600" dirty="0">
               <a:latin typeface="微软雅黑 Light" pitchFamily="34" charset="-122"/>
               <a:ea typeface="微软雅黑 Light" pitchFamily="34" charset="-122"/>
             </a:endParaRPr>
@@ -8628,20 +8658,27 @@
             <p:ph type="title"/>
           </p:nvPr>
         </p:nvSpPr>
-        <p:spPr/>
-        <p:txBody>
-          <a:bodyPr/>
+        <p:spPr>
+          <a:xfrm>
+            <a:off x="457200" y="413792"/>
+            <a:ext cx="8229600" cy="1143000"/>
+          </a:xfrm>
+        </p:spPr>
+        <p:txBody>
+          <a:bodyPr>
+            <a:normAutofit/>
+          </a:bodyPr>
           <a:lstStyle/>
           <a:p>
             <a:pPr indent="457200" algn="l"/>
             <a:r>
-              <a:rPr lang="zh-CN" altLang="en-US" dirty="0" smtClean="0">
+              <a:rPr lang="zh-CN" altLang="en-US" sz="3600" dirty="0" smtClean="0">
                 <a:latin typeface="微软雅黑 Light" pitchFamily="34" charset="-122"/>
                 <a:ea typeface="微软雅黑 Light" pitchFamily="34" charset="-122"/>
               </a:rPr>
               <a:t>以太币各单位名称</a:t>
             </a:r>
-            <a:endParaRPr lang="zh-CN" altLang="en-US" dirty="0">
+            <a:endParaRPr lang="zh-CN" altLang="en-US" sz="3600" dirty="0">
               <a:latin typeface="微软雅黑 Light" pitchFamily="34" charset="-122"/>
               <a:ea typeface="微软雅黑 Light" pitchFamily="34" charset="-122"/>
             </a:endParaRPr>
@@ -8759,20 +8796,27 @@
             <p:ph type="title"/>
           </p:nvPr>
         </p:nvSpPr>
-        <p:spPr/>
-        <p:txBody>
-          <a:bodyPr/>
+        <p:spPr>
+          <a:xfrm>
+            <a:off x="457200" y="485800"/>
+            <a:ext cx="8229600" cy="1143000"/>
+          </a:xfrm>
+        </p:spPr>
+        <p:txBody>
+          <a:bodyPr>
+            <a:normAutofit/>
+          </a:bodyPr>
           <a:lstStyle/>
           <a:p>
             <a:pPr indent="457200" algn="l"/>
             <a:r>
-              <a:rPr lang="zh-CN" altLang="en-US" dirty="0" smtClean="0">
+              <a:rPr lang="zh-CN" altLang="en-US" sz="3600" dirty="0" smtClean="0">
                 <a:latin typeface="微软雅黑 Light" pitchFamily="34" charset="-122"/>
                 <a:ea typeface="微软雅黑 Light" pitchFamily="34" charset="-122"/>
               </a:rPr>
               <a:t>以太坊钱包</a:t>
             </a:r>
-            <a:endParaRPr lang="zh-CN" altLang="en-US" dirty="0">
+            <a:endParaRPr lang="zh-CN" altLang="en-US" sz="3600" dirty="0">
               <a:latin typeface="微软雅黑 Light" pitchFamily="34" charset="-122"/>
               <a:ea typeface="微软雅黑 Light" pitchFamily="34" charset="-122"/>
             </a:endParaRPr>
@@ -9053,7 +9097,12 @@
             <p:ph type="title"/>
           </p:nvPr>
         </p:nvSpPr>
-        <p:spPr/>
+        <p:spPr>
+          <a:xfrm>
+            <a:off x="457200" y="485800"/>
+            <a:ext cx="8229600" cy="1143000"/>
+          </a:xfrm>
+        </p:spPr>
         <p:txBody>
           <a:bodyPr>
             <a:normAutofit/>
@@ -9062,13 +9111,13 @@
           <a:p>
             <a:pPr indent="457200" algn="l"/>
             <a:r>
-              <a:rPr lang="zh-CN" altLang="en-US" dirty="0" smtClean="0">
+              <a:rPr lang="zh-CN" altLang="en-US" sz="3600" dirty="0" smtClean="0">
                 <a:latin typeface="微软雅黑 Light" pitchFamily="34" charset="-122"/>
                 <a:ea typeface="微软雅黑 Light" pitchFamily="34" charset="-122"/>
               </a:rPr>
               <a:t>私钥、公钥和地址</a:t>
             </a:r>
-            <a:endParaRPr lang="zh-CN" altLang="en-US" dirty="0">
+            <a:endParaRPr lang="zh-CN" altLang="en-US" sz="3600" dirty="0">
               <a:latin typeface="微软雅黑 Light" pitchFamily="34" charset="-122"/>
               <a:ea typeface="微软雅黑 Light" pitchFamily="34" charset="-122"/>
             </a:endParaRPr>
@@ -9308,20 +9357,27 @@
             <p:ph type="title"/>
           </p:nvPr>
         </p:nvSpPr>
-        <p:spPr/>
-        <p:txBody>
-          <a:bodyPr/>
+        <p:spPr>
+          <a:xfrm>
+            <a:off x="457200" y="413792"/>
+            <a:ext cx="8229600" cy="1143000"/>
+          </a:xfrm>
+        </p:spPr>
+        <p:txBody>
+          <a:bodyPr>
+            <a:normAutofit/>
+          </a:bodyPr>
           <a:lstStyle/>
           <a:p>
             <a:pPr indent="457200" algn="l"/>
             <a:r>
-              <a:rPr lang="zh-CN" altLang="en-US" dirty="0" smtClean="0">
+              <a:rPr lang="zh-CN" altLang="en-US" sz="3600" dirty="0" smtClean="0">
                 <a:latin typeface="微软雅黑 Light" pitchFamily="34" charset="-122"/>
                 <a:ea typeface="微软雅黑 Light" pitchFamily="34" charset="-122"/>
               </a:rPr>
               <a:t>安全须知</a:t>
             </a:r>
-            <a:endParaRPr lang="zh-CN" altLang="en-US" dirty="0">
+            <a:endParaRPr lang="zh-CN" altLang="en-US" sz="3600" dirty="0">
               <a:latin typeface="微软雅黑 Light" pitchFamily="34" charset="-122"/>
               <a:ea typeface="微软雅黑 Light" pitchFamily="34" charset="-122"/>
             </a:endParaRPr>
@@ -9340,7 +9396,7 @@
         </p:nvSpPr>
         <p:spPr>
           <a:xfrm>
-            <a:off x="755576" y="1412776"/>
+            <a:off x="755576" y="1268760"/>
             <a:ext cx="8064896" cy="5040560"/>
           </a:xfrm>
         </p:spPr>
@@ -9601,27 +9657,34 @@
             <p:ph type="title"/>
           </p:nvPr>
         </p:nvSpPr>
-        <p:spPr/>
-        <p:txBody>
-          <a:bodyPr/>
+        <p:spPr>
+          <a:xfrm>
+            <a:off x="457200" y="413792"/>
+            <a:ext cx="8229600" cy="1143000"/>
+          </a:xfrm>
+        </p:spPr>
+        <p:txBody>
+          <a:bodyPr>
+            <a:normAutofit/>
+          </a:bodyPr>
           <a:lstStyle/>
           <a:p>
             <a:pPr indent="457200" algn="l"/>
             <a:r>
-              <a:rPr lang="zh-CN" altLang="en-US" dirty="0" smtClean="0">
+              <a:rPr lang="zh-CN" altLang="en-US" sz="3600" dirty="0" smtClean="0">
                 <a:latin typeface="微软雅黑 Light" pitchFamily="34" charset="-122"/>
                 <a:ea typeface="微软雅黑 Light" pitchFamily="34" charset="-122"/>
               </a:rPr>
               <a:t>安装</a:t>
             </a:r>
             <a:r>
-              <a:rPr lang="en-US" altLang="zh-CN" dirty="0" smtClean="0">
+              <a:rPr lang="en-US" altLang="zh-CN" sz="3600" dirty="0" smtClean="0">
                 <a:latin typeface="微软雅黑 Light" pitchFamily="34" charset="-122"/>
                 <a:ea typeface="微软雅黑 Light" pitchFamily="34" charset="-122"/>
               </a:rPr>
               <a:t>MetaMask</a:t>
             </a:r>
-            <a:endParaRPr lang="zh-CN" altLang="en-US" dirty="0">
+            <a:endParaRPr lang="zh-CN" altLang="en-US" sz="3600" dirty="0">
               <a:latin typeface="微软雅黑 Light" pitchFamily="34" charset="-122"/>
               <a:ea typeface="微软雅黑 Light" pitchFamily="34" charset="-122"/>
             </a:endParaRPr>
@@ -9994,27 +10057,34 @@
             <p:ph type="title"/>
           </p:nvPr>
         </p:nvSpPr>
-        <p:spPr/>
-        <p:txBody>
-          <a:bodyPr/>
+        <p:spPr>
+          <a:xfrm>
+            <a:off x="457200" y="413792"/>
+            <a:ext cx="8229600" cy="1143000"/>
+          </a:xfrm>
+        </p:spPr>
+        <p:txBody>
+          <a:bodyPr>
+            <a:normAutofit/>
+          </a:bodyPr>
           <a:lstStyle/>
           <a:p>
             <a:pPr indent="457200" algn="l"/>
             <a:r>
-              <a:rPr lang="zh-CN" altLang="en-US" dirty="0" smtClean="0">
+              <a:rPr lang="zh-CN" altLang="en-US" sz="3600" dirty="0" smtClean="0">
                 <a:latin typeface="微软雅黑 Light" pitchFamily="34" charset="-122"/>
                 <a:ea typeface="微软雅黑 Light" pitchFamily="34" charset="-122"/>
               </a:rPr>
               <a:t>第一次使用</a:t>
             </a:r>
             <a:r>
-              <a:rPr lang="en-US" altLang="zh-CN" dirty="0" smtClean="0">
+              <a:rPr lang="en-US" altLang="zh-CN" sz="3600" dirty="0" smtClean="0">
                 <a:latin typeface="微软雅黑 Light" pitchFamily="34" charset="-122"/>
                 <a:ea typeface="微软雅黑 Light" pitchFamily="34" charset="-122"/>
               </a:rPr>
               <a:t>MetaMask</a:t>
             </a:r>
-            <a:endParaRPr lang="zh-CN" altLang="en-US" dirty="0">
+            <a:endParaRPr lang="zh-CN" altLang="en-US" sz="3600" dirty="0">
               <a:latin typeface="微软雅黑 Light" pitchFamily="34" charset="-122"/>
               <a:ea typeface="微软雅黑 Light" pitchFamily="34" charset="-122"/>
             </a:endParaRPr>
@@ -10433,7 +10503,12 @@
             <p:ph type="title"/>
           </p:nvPr>
         </p:nvSpPr>
-        <p:spPr/>
+        <p:spPr>
+          <a:xfrm>
+            <a:off x="457200" y="557808"/>
+            <a:ext cx="8229600" cy="1143000"/>
+          </a:xfrm>
+        </p:spPr>
         <p:txBody>
           <a:bodyPr>
             <a:normAutofit/>
@@ -10442,7 +10517,7 @@
           <a:p>
             <a:pPr indent="457200" algn="l"/>
             <a:r>
-              <a:rPr lang="zh-CN" altLang="en-US" dirty="0">
+              <a:rPr lang="zh-CN" altLang="en-US" sz="3600" dirty="0">
                 <a:latin typeface="微软雅黑 Light" pitchFamily="34" charset="-122"/>
                 <a:ea typeface="微软雅黑 Light" pitchFamily="34" charset="-122"/>
               </a:rPr>
